--- a/final ppt/09-web-apps-and-build-with-glitch.pptx
+++ b/final ppt/09-web-apps-and-build-with-glitch.pptx
@@ -5,7 +5,7 @@
     <p:sldMasterId id="2147483660" r:id="rId1"/>
   </p:sldMasterIdLst>
   <p:notesMasterIdLst>
-    <p:notesMasterId r:id="rId15"/>
+    <p:notesMasterId r:id="rId16"/>
   </p:notesMasterIdLst>
   <p:sldIdLst>
     <p:sldId id="256" r:id="rId2"/>
@@ -19,8 +19,9 @@
     <p:sldId id="264" r:id="rId10"/>
     <p:sldId id="265" r:id="rId11"/>
     <p:sldId id="266" r:id="rId12"/>
-    <p:sldId id="267" r:id="rId13"/>
-    <p:sldId id="268" r:id="rId14"/>
+    <p:sldId id="269" r:id="rId13"/>
+    <p:sldId id="267" r:id="rId14"/>
+    <p:sldId id="268" r:id="rId15"/>
   </p:sldIdLst>
   <p:sldSz cx="12192000" cy="6858000"/>
   <p:notesSz cx="6858000" cy="9144000"/>
@@ -327,7 +328,7 @@
           <a:p>
             <a:fld id="{0F9C1CCF-B725-44A7-AA57-5E433BD85C9F}" type="datetimeFigureOut">
               <a:rPr lang="en-US" smtClean="0"/>
-              <a:t>9/13/2021</a:t>
+              <a:t>9/14/2021</a:t>
             </a:fld>
             <a:endParaRPr lang="en-US"/>
           </a:p>
@@ -2233,6 +2234,98 @@
             <p:ph type="sldImg"/>
           </p:nvPr>
         </p:nvSpPr>
+        <p:spPr/>
+      </p:sp>
+      <p:sp>
+        <p:nvSpPr>
+          <p:cNvPr id="3" name="Notes Placeholder 2"/>
+          <p:cNvSpPr>
+            <a:spLocks noGrp="1"/>
+          </p:cNvSpPr>
+          <p:nvPr>
+            <p:ph type="body" idx="1"/>
+          </p:nvPr>
+        </p:nvSpPr>
+        <p:spPr/>
+        <p:txBody>
+          <a:bodyPr/>
+          <a:lstStyle/>
+          <a:p>
+            <a:r>
+              <a:rPr lang="en-GB" dirty="0" smtClean="0"/>
+              <a:t>You might want </a:t>
+            </a:r>
+            <a:r>
+              <a:rPr lang="en-GB" smtClean="0"/>
+              <a:t>to explain CDN</a:t>
+            </a:r>
+            <a:endParaRPr lang="en-GB"/>
+          </a:p>
+        </p:txBody>
+      </p:sp>
+      <p:sp>
+        <p:nvSpPr>
+          <p:cNvPr id="4" name="Slide Number Placeholder 3"/>
+          <p:cNvSpPr>
+            <a:spLocks noGrp="1"/>
+          </p:cNvSpPr>
+          <p:nvPr>
+            <p:ph type="sldNum" sz="quarter" idx="10"/>
+          </p:nvPr>
+        </p:nvSpPr>
+        <p:spPr/>
+        <p:txBody>
+          <a:bodyPr/>
+          <a:lstStyle/>
+          <a:p>
+            <a:fld id="{18BDFEC3-8487-43E8-A154-7C12CBC1FFF2}" type="slidenum">
+              <a:rPr lang="en-US" smtClean="0"/>
+              <a:t>12</a:t>
+            </a:fld>
+            <a:endParaRPr lang="en-US"/>
+          </a:p>
+        </p:txBody>
+      </p:sp>
+    </p:spTree>
+    <p:extLst>
+      <p:ext uri="{BB962C8B-B14F-4D97-AF65-F5344CB8AC3E}">
+        <p14:creationId xmlns:p14="http://schemas.microsoft.com/office/powerpoint/2010/main" val="3425441324"/>
+      </p:ext>
+    </p:extLst>
+  </p:cSld>
+  <p:clrMapOvr>
+    <a:masterClrMapping/>
+  </p:clrMapOvr>
+</p:notes>
+</file>
+
+<file path=ppt/notesSlides/notesSlide9.xml><?xml version="1.0" encoding="utf-8"?>
+<p:notes xmlns:a="http://schemas.openxmlformats.org/drawingml/2006/main" xmlns:r="http://schemas.openxmlformats.org/officeDocument/2006/relationships" xmlns:p="http://schemas.openxmlformats.org/presentationml/2006/main">
+  <p:cSld>
+    <p:spTree>
+      <p:nvGrpSpPr>
+        <p:cNvPr id="1" name=""/>
+        <p:cNvGrpSpPr/>
+        <p:nvPr/>
+      </p:nvGrpSpPr>
+      <p:grpSpPr>
+        <a:xfrm>
+          <a:off x="0" y="0"/>
+          <a:ext cx="0" cy="0"/>
+          <a:chOff x="0" y="0"/>
+          <a:chExt cx="0" cy="0"/>
+        </a:xfrm>
+      </p:grpSpPr>
+      <p:sp>
+        <p:nvSpPr>
+          <p:cNvPr id="2" name="Slide Image Placeholder 1"/>
+          <p:cNvSpPr>
+            <a:spLocks noGrp="1" noRot="1" noChangeAspect="1"/>
+          </p:cNvSpPr>
+          <p:nvPr>
+            <p:ph type="sldImg"/>
+          </p:nvPr>
+        </p:nvSpPr>
         <p:spPr>
           <a:xfrm>
             <a:off x="685800" y="1143000"/>
@@ -2650,7 +2743,7 @@
           <a:p>
             <a:fld id="{18BDFEC3-8487-43E8-A154-7C12CBC1FFF2}" type="slidenum">
               <a:rPr lang="en-US"/>
-              <a:t>12</a:t>
+              <a:t>13</a:t>
             </a:fld>
             <a:endParaRPr lang="en-US"/>
           </a:p>
@@ -3532,7 +3625,7 @@
           <a:p>
             <a:fld id="{241EB5C9-1307-BA42-ABA2-0BC069CD8E7F}" type="datetimeFigureOut">
               <a:rPr lang="en-US" smtClean="0"/>
-              <a:t>9/13/2021</a:t>
+              <a:t>9/14/2021</a:t>
             </a:fld>
             <a:endParaRPr lang="en-US"/>
           </a:p>
@@ -8984,6 +9077,13 @@
       </p:transition>
     </mc:Fallback>
   </mc:AlternateContent>
+  <p:timing>
+    <p:tnLst>
+      <p:par>
+        <p:cTn id="1" dur="indefinite" restart="never" nodeType="tmRoot"/>
+      </p:par>
+    </p:tnLst>
+  </p:timing>
 </p:sld>
 </file>
 
@@ -9041,6 +9141,13 @@
       </p:transition>
     </mc:Fallback>
   </mc:AlternateContent>
+  <p:timing>
+    <p:tnLst>
+      <p:par>
+        <p:cTn id="1" dur="indefinite" restart="never" nodeType="tmRoot"/>
+      </p:par>
+    </p:tnLst>
+  </p:timing>
 </p:sld>
 </file>
 
@@ -9125,6 +9232,13 @@
   <p:clrMapOvr>
     <a:masterClrMapping/>
   </p:clrMapOvr>
+  <p:timing>
+    <p:tnLst>
+      <p:par>
+        <p:cTn id="1" dur="indefinite" restart="never" nodeType="tmRoot"/>
+      </p:par>
+    </p:tnLst>
+  </p:timing>
 </p:sld>
 </file>
 
@@ -9161,9 +9275,10 @@
           <a:lstStyle/>
           <a:p>
             <a:r>
-              <a:rPr/>
-              <a:t>Wrap-up and Discussion</a:t>
-            </a:r>
+              <a:rPr lang="en-GB" dirty="0" smtClean="0"/>
+              <a:t>Adding images</a:t>
+            </a:r>
+            <a:endParaRPr lang="en-GB" dirty="0"/>
           </a:p>
         </p:txBody>
       </p:sp>
@@ -9177,25 +9292,384 @@
             <p:ph idx="1"/>
           </p:nvPr>
         </p:nvSpPr>
-        <p:spPr/>
+        <p:spPr>
+          <a:xfrm>
+            <a:off x="415601" y="5782189"/>
+            <a:ext cx="4336508" cy="619288"/>
+          </a:xfrm>
+        </p:spPr>
         <p:txBody>
           <a:bodyPr/>
           <a:lstStyle/>
           <a:p>
-            <a:pPr marL="0" indent="0">
-              <a:spcBef>
-                <a:spcPts val="3000"/>
-              </a:spcBef>
-              <a:buNone/>
-            </a:pPr>
-            <a:r>
-              <a:rPr sz="2400" b="1" dirty="0"/>
-              <a:t>Pros and Cons of Glitch vs Composing Offline</a:t>
+            <a:r>
+              <a:rPr lang="en-GB" dirty="0" smtClean="0"/>
+              <a:t>Click on “New File” &gt; “Upload a File”</a:t>
+            </a:r>
+            <a:endParaRPr lang="en-GB" dirty="0"/>
+          </a:p>
+        </p:txBody>
+      </p:sp>
+      <p:pic>
+        <p:nvPicPr>
+          <p:cNvPr id="4" name="Picture 3"/>
+          <p:cNvPicPr>
+            <a:picLocks noChangeAspect="1"/>
+          </p:cNvPicPr>
+          <p:nvPr/>
+        </p:nvPicPr>
+        <p:blipFill>
+          <a:blip r:embed="rId3"/>
+          <a:stretch>
+            <a:fillRect/>
+          </a:stretch>
+        </p:blipFill>
+        <p:spPr>
+          <a:xfrm>
+            <a:off x="415601" y="1639833"/>
+            <a:ext cx="3200400" cy="4095750"/>
+          </a:xfrm>
+          <a:prstGeom prst="rect">
+            <a:avLst/>
+          </a:prstGeom>
+        </p:spPr>
+      </p:pic>
+      <p:pic>
+        <p:nvPicPr>
+          <p:cNvPr id="5" name="Picture 4"/>
+          <p:cNvPicPr>
+            <a:picLocks noChangeAspect="1"/>
+          </p:cNvPicPr>
+          <p:nvPr/>
+        </p:nvPicPr>
+        <p:blipFill rotWithShape="1">
+          <a:blip r:embed="rId4"/>
+          <a:srcRect l="2416" t="10807" r="4701" b="14511"/>
+          <a:stretch/>
+        </p:blipFill>
+        <p:spPr>
+          <a:xfrm>
+            <a:off x="5306256" y="1774224"/>
+            <a:ext cx="6192982" cy="2646219"/>
+          </a:xfrm>
+          <a:prstGeom prst="rect">
+            <a:avLst/>
+          </a:prstGeom>
+        </p:spPr>
+      </p:pic>
+      <p:sp>
+        <p:nvSpPr>
+          <p:cNvPr id="7" name="Content Placeholder 2"/>
+          <p:cNvSpPr txBox="1">
+            <a:spLocks/>
+          </p:cNvSpPr>
+          <p:nvPr/>
+        </p:nvSpPr>
+        <p:spPr>
+          <a:xfrm>
+            <a:off x="5306256" y="4420443"/>
+            <a:ext cx="6317708" cy="1772539"/>
+          </a:xfrm>
+          <a:prstGeom prst="rect">
+            <a:avLst/>
+          </a:prstGeom>
+          <a:noFill/>
+          <a:ln>
+            <a:noFill/>
+          </a:ln>
+        </p:spPr>
+        <p:txBody>
+          <a:bodyPr lIns="91425" tIns="91425" rIns="91425" bIns="91425" anchor="t" anchorCtr="0"/>
+          <a:lstStyle>
+            <a:defPPr marR="0" lvl="0" algn="l" rtl="0">
+              <a:lnSpc>
+                <a:spcPct val="100000"/>
+              </a:lnSpc>
+              <a:spcBef>
+                <a:spcPts val="0"/>
+              </a:spcBef>
+              <a:spcAft>
+                <a:spcPts val="0"/>
+              </a:spcAft>
+            </a:defPPr>
+            <a:lvl1pPr marL="0" marR="0" lvl="0" indent="0" algn="l" defTabSz="914400" rtl="0" eaLnBrk="1" fontAlgn="auto" latinLnBrk="0" hangingPunct="1">
+              <a:lnSpc>
+                <a:spcPct val="90000"/>
+              </a:lnSpc>
+              <a:spcBef>
+                <a:spcPts val="1000"/>
+              </a:spcBef>
+              <a:spcAft>
+                <a:spcPts val="0"/>
+              </a:spcAft>
+              <a:buClrTx/>
+              <a:buSzTx/>
+              <a:buFont typeface="Arial" panose="020B0604020202020204" pitchFamily="34" charset="0"/>
+              <a:buNone/>
+              <a:tabLst/>
+              <a:defRPr sz="1800" b="0" i="0" u="none" strike="noStrike" cap="none">
+                <a:solidFill>
+                  <a:schemeClr val="dk2"/>
+                </a:solidFill>
+                <a:latin typeface="Roboto"/>
+                <a:ea typeface="Roboto"/>
+                <a:cs typeface="Roboto"/>
+                <a:sym typeface="Roboto"/>
+              </a:defRPr>
+            </a:lvl1pPr>
+            <a:lvl2pPr marL="685800" marR="0" lvl="1" indent="-228600" algn="l" defTabSz="914400" rtl="0" eaLnBrk="1" fontAlgn="auto" latinLnBrk="0" hangingPunct="1">
+              <a:lnSpc>
+                <a:spcPct val="90000"/>
+              </a:lnSpc>
+              <a:spcBef>
+                <a:spcPts val="500"/>
+              </a:spcBef>
+              <a:spcAft>
+                <a:spcPts val="0"/>
+              </a:spcAft>
+              <a:buClrTx/>
+              <a:buSzTx/>
+              <a:buFont typeface="Arial" panose="020B0604020202020204" pitchFamily="34" charset="0"/>
+              <a:buChar char="•"/>
+              <a:tabLst/>
+              <a:defRPr sz="1866" b="0" i="0" u="none" strike="noStrike" cap="none">
+                <a:solidFill>
+                  <a:schemeClr val="dk2"/>
+                </a:solidFill>
+                <a:latin typeface="Roboto"/>
+                <a:ea typeface="Roboto"/>
+                <a:cs typeface="Roboto"/>
+                <a:sym typeface="Roboto"/>
+              </a:defRPr>
+            </a:lvl2pPr>
+            <a:lvl3pPr marL="1143000" marR="0" lvl="2" indent="-228600" algn="l" defTabSz="914400" rtl="0" eaLnBrk="1" fontAlgn="auto" latinLnBrk="0" hangingPunct="1">
+              <a:lnSpc>
+                <a:spcPct val="90000"/>
+              </a:lnSpc>
+              <a:spcBef>
+                <a:spcPts val="500"/>
+              </a:spcBef>
+              <a:spcAft>
+                <a:spcPts val="0"/>
+              </a:spcAft>
+              <a:buClrTx/>
+              <a:buSzTx/>
+              <a:buFont typeface="Arial" panose="020B0604020202020204" pitchFamily="34" charset="0"/>
+              <a:buChar char="•"/>
+              <a:tabLst/>
+              <a:defRPr sz="1866" b="0" i="0" u="none" strike="noStrike" cap="none">
+                <a:solidFill>
+                  <a:schemeClr val="dk2"/>
+                </a:solidFill>
+                <a:latin typeface="Roboto"/>
+                <a:ea typeface="Roboto"/>
+                <a:cs typeface="Roboto"/>
+                <a:sym typeface="Roboto"/>
+              </a:defRPr>
+            </a:lvl3pPr>
+            <a:lvl4pPr marL="1600200" marR="0" lvl="3" indent="-228600" algn="l" defTabSz="914400" rtl="0" eaLnBrk="1" fontAlgn="auto" latinLnBrk="0" hangingPunct="1">
+              <a:lnSpc>
+                <a:spcPct val="90000"/>
+              </a:lnSpc>
+              <a:spcBef>
+                <a:spcPts val="500"/>
+              </a:spcBef>
+              <a:spcAft>
+                <a:spcPts val="0"/>
+              </a:spcAft>
+              <a:buClrTx/>
+              <a:buSzTx/>
+              <a:buFont typeface="Arial" panose="020B0604020202020204" pitchFamily="34" charset="0"/>
+              <a:buChar char="•"/>
+              <a:tabLst/>
+              <a:defRPr sz="1866" b="0" i="0" u="none" strike="noStrike" cap="none">
+                <a:solidFill>
+                  <a:schemeClr val="dk2"/>
+                </a:solidFill>
+                <a:latin typeface="Roboto"/>
+                <a:ea typeface="Roboto"/>
+                <a:cs typeface="Roboto"/>
+                <a:sym typeface="Roboto"/>
+              </a:defRPr>
+            </a:lvl4pPr>
+            <a:lvl5pPr marL="2057400" marR="0" lvl="4" indent="-228600" algn="l" defTabSz="914400" rtl="0" eaLnBrk="1" fontAlgn="auto" latinLnBrk="0" hangingPunct="1">
+              <a:lnSpc>
+                <a:spcPct val="90000"/>
+              </a:lnSpc>
+              <a:spcBef>
+                <a:spcPts val="500"/>
+              </a:spcBef>
+              <a:spcAft>
+                <a:spcPts val="0"/>
+              </a:spcAft>
+              <a:buClrTx/>
+              <a:buSzTx/>
+              <a:buFont typeface="Arial" panose="020B0604020202020204" pitchFamily="34" charset="0"/>
+              <a:buChar char="•"/>
+              <a:tabLst/>
+              <a:defRPr sz="1866" b="0" i="0" u="none" strike="noStrike" cap="none">
+                <a:solidFill>
+                  <a:schemeClr val="dk2"/>
+                </a:solidFill>
+                <a:latin typeface="Roboto"/>
+                <a:ea typeface="Roboto"/>
+                <a:cs typeface="Roboto"/>
+                <a:sym typeface="Roboto"/>
+              </a:defRPr>
+            </a:lvl5pPr>
+            <a:lvl6pPr marR="0" lvl="5" algn="l" rtl="0" eaLnBrk="1" hangingPunct="1">
+              <a:lnSpc>
+                <a:spcPct val="115000"/>
+              </a:lnSpc>
+              <a:spcBef>
+                <a:spcPts val="0"/>
+              </a:spcBef>
+              <a:spcAft>
+                <a:spcPts val="1600"/>
+              </a:spcAft>
+              <a:buClr>
+                <a:schemeClr val="dk2"/>
+              </a:buClr>
+              <a:buFont typeface="Roboto"/>
+              <a:buNone/>
+              <a:defRPr sz="1866" b="0" i="0" u="none" strike="noStrike" cap="none">
+                <a:solidFill>
+                  <a:schemeClr val="dk2"/>
+                </a:solidFill>
+                <a:latin typeface="Roboto"/>
+                <a:ea typeface="Roboto"/>
+                <a:cs typeface="Roboto"/>
+                <a:sym typeface="Roboto"/>
+              </a:defRPr>
+            </a:lvl6pPr>
+            <a:lvl7pPr marR="0" lvl="6" algn="l" rtl="0" eaLnBrk="1" hangingPunct="1">
+              <a:lnSpc>
+                <a:spcPct val="115000"/>
+              </a:lnSpc>
+              <a:spcBef>
+                <a:spcPts val="0"/>
+              </a:spcBef>
+              <a:spcAft>
+                <a:spcPts val="1600"/>
+              </a:spcAft>
+              <a:buClr>
+                <a:schemeClr val="dk2"/>
+              </a:buClr>
+              <a:buFont typeface="Roboto"/>
+              <a:buNone/>
+              <a:defRPr sz="1866" b="0" i="0" u="none" strike="noStrike" cap="none">
+                <a:solidFill>
+                  <a:schemeClr val="dk2"/>
+                </a:solidFill>
+                <a:latin typeface="Roboto"/>
+                <a:ea typeface="Roboto"/>
+                <a:cs typeface="Roboto"/>
+                <a:sym typeface="Roboto"/>
+              </a:defRPr>
+            </a:lvl7pPr>
+            <a:lvl8pPr marR="0" lvl="7" algn="l" rtl="0" eaLnBrk="1" hangingPunct="1">
+              <a:lnSpc>
+                <a:spcPct val="115000"/>
+              </a:lnSpc>
+              <a:spcBef>
+                <a:spcPts val="0"/>
+              </a:spcBef>
+              <a:spcAft>
+                <a:spcPts val="1600"/>
+              </a:spcAft>
+              <a:buClr>
+                <a:schemeClr val="dk2"/>
+              </a:buClr>
+              <a:buFont typeface="Roboto"/>
+              <a:buNone/>
+              <a:defRPr sz="1866" b="0" i="0" u="none" strike="noStrike" cap="none">
+                <a:solidFill>
+                  <a:schemeClr val="dk2"/>
+                </a:solidFill>
+                <a:latin typeface="Roboto"/>
+                <a:ea typeface="Roboto"/>
+                <a:cs typeface="Roboto"/>
+                <a:sym typeface="Roboto"/>
+              </a:defRPr>
+            </a:lvl8pPr>
+            <a:lvl9pPr marR="0" lvl="8" algn="l" rtl="0" eaLnBrk="1" hangingPunct="1">
+              <a:lnSpc>
+                <a:spcPct val="115000"/>
+              </a:lnSpc>
+              <a:spcBef>
+                <a:spcPts val="0"/>
+              </a:spcBef>
+              <a:spcAft>
+                <a:spcPts val="1600"/>
+              </a:spcAft>
+              <a:buClr>
+                <a:schemeClr val="dk2"/>
+              </a:buClr>
+              <a:buFont typeface="Roboto"/>
+              <a:buNone/>
+              <a:defRPr sz="1866" b="0" i="0" u="none" strike="noStrike" cap="none">
+                <a:solidFill>
+                  <a:schemeClr val="dk2"/>
+                </a:solidFill>
+                <a:latin typeface="Roboto"/>
+                <a:ea typeface="Roboto"/>
+                <a:cs typeface="Roboto"/>
+                <a:sym typeface="Roboto"/>
+              </a:defRPr>
+            </a:lvl9pPr>
+          </a:lstStyle>
+          <a:p>
+            <a:r>
+              <a:rPr lang="en-GB" dirty="0" smtClean="0"/>
+              <a:t>Click on the picture and copy the CDN </a:t>
+            </a:r>
+            <a:r>
+              <a:rPr lang="en-GB" dirty="0" err="1" smtClean="0"/>
+              <a:t>url</a:t>
+            </a:r>
+            <a:r>
+              <a:rPr lang="en-GB" dirty="0" smtClean="0"/>
+              <a:t>. Use the URL in the </a:t>
+            </a:r>
+            <a:r>
+              <a:rPr lang="en-GB" dirty="0" err="1" smtClean="0"/>
+              <a:t>img</a:t>
+            </a:r>
+            <a:r>
+              <a:rPr lang="en-GB" dirty="0" smtClean="0"/>
+              <a:t> tag.</a:t>
+            </a:r>
+          </a:p>
+          <a:p>
+            <a:r>
+              <a:rPr lang="en-GB" sz="1600" dirty="0" smtClean="0"/>
+              <a:t>&lt;</a:t>
+            </a:r>
+            <a:r>
+              <a:rPr lang="en-GB" sz="1600" dirty="0" err="1" smtClean="0"/>
+              <a:t>img</a:t>
+            </a:r>
+            <a:r>
+              <a:rPr lang="en-GB" sz="1600" dirty="0" smtClean="0"/>
+              <a:t> </a:t>
+            </a:r>
+            <a:r>
+              <a:rPr lang="en-GB" sz="1600" dirty="0" err="1" smtClean="0"/>
+              <a:t>src</a:t>
+            </a:r>
+            <a:r>
+              <a:rPr lang="en-GB" sz="1600" dirty="0"/>
+              <a:t>=“https://cdn.glitch.com/5799208a-708e-4ca6-a4e4-2293be8e949d%2Ffirefox-logo.png?v=1631621963971”&gt;</a:t>
             </a:r>
           </a:p>
         </p:txBody>
       </p:sp>
     </p:spTree>
+    <p:extLst>
+      <p:ext uri="{BB962C8B-B14F-4D97-AF65-F5344CB8AC3E}">
+        <p14:creationId xmlns:p14="http://schemas.microsoft.com/office/powerpoint/2010/main" val="1319528117"/>
+      </p:ext>
+    </p:extLst>
   </p:cSld>
   <p:clrMapOvr>
     <a:masterClrMapping/>
@@ -9237,7 +9711,7 @@
           <a:p>
             <a:r>
               <a:rPr/>
-              <a:t>mozilla</a:t>
+              <a:t>Wrap-up and Discussion</a:t>
             </a:r>
           </a:p>
         </p:txBody>
@@ -9258,17 +9732,14 @@
           <a:lstStyle/>
           <a:p>
             <a:pPr marL="0" indent="0">
-              <a:buNone/>
-            </a:pPr>
-            <a:r>
-              <a:rPr/>
-              <a:t>Mozilla is a global non-profit dedicated to putting you in control of your online experience and shaping the future of the web for the public good. Visit us at </a:t>
-            </a:r>
-            <a:r>
-              <a:rPr>
-                <a:hlinkClick r:id="rId2"/>
-              </a:rPr>
-              <a:t>mozilla.org</a:t>
+              <a:spcBef>
+                <a:spcPts val="3000"/>
+              </a:spcBef>
+              <a:buNone/>
+            </a:pPr>
+            <a:r>
+              <a:rPr sz="2400" b="1" dirty="0"/>
+              <a:t>Pros and Cons of Glitch vs Composing Offline</a:t>
             </a:r>
           </a:p>
         </p:txBody>
@@ -9278,6 +9749,98 @@
   <p:clrMapOvr>
     <a:masterClrMapping/>
   </p:clrMapOvr>
+  <p:timing>
+    <p:tnLst>
+      <p:par>
+        <p:cTn id="1" dur="indefinite" restart="never" nodeType="tmRoot"/>
+      </p:par>
+    </p:tnLst>
+  </p:timing>
+</p:sld>
+</file>
+
+<file path=ppt/slides/slide14.xml><?xml version="1.0" encoding="utf-8"?>
+<p:sld xmlns:a="http://schemas.openxmlformats.org/drawingml/2006/main" xmlns:r="http://schemas.openxmlformats.org/officeDocument/2006/relationships" xmlns:p="http://schemas.openxmlformats.org/presentationml/2006/main">
+  <p:cSld>
+    <p:spTree>
+      <p:nvGrpSpPr>
+        <p:cNvPr id="1" name=""/>
+        <p:cNvGrpSpPr/>
+        <p:nvPr/>
+      </p:nvGrpSpPr>
+      <p:grpSpPr>
+        <a:xfrm>
+          <a:off x="0" y="0"/>
+          <a:ext cx="0" cy="0"/>
+          <a:chOff x="0" y="0"/>
+          <a:chExt cx="0" cy="0"/>
+        </a:xfrm>
+      </p:grpSpPr>
+      <p:sp>
+        <p:nvSpPr>
+          <p:cNvPr id="2" name="Title 1"/>
+          <p:cNvSpPr>
+            <a:spLocks noGrp="1"/>
+          </p:cNvSpPr>
+          <p:nvPr>
+            <p:ph type="title"/>
+          </p:nvPr>
+        </p:nvSpPr>
+        <p:spPr/>
+        <p:txBody>
+          <a:bodyPr/>
+          <a:lstStyle/>
+          <a:p>
+            <a:r>
+              <a:rPr/>
+              <a:t>mozilla</a:t>
+            </a:r>
+          </a:p>
+        </p:txBody>
+      </p:sp>
+      <p:sp>
+        <p:nvSpPr>
+          <p:cNvPr id="3" name="Content Placeholder 2"/>
+          <p:cNvSpPr>
+            <a:spLocks noGrp="1"/>
+          </p:cNvSpPr>
+          <p:nvPr>
+            <p:ph idx="1"/>
+          </p:nvPr>
+        </p:nvSpPr>
+        <p:spPr/>
+        <p:txBody>
+          <a:bodyPr/>
+          <a:lstStyle/>
+          <a:p>
+            <a:pPr marL="0" indent="0">
+              <a:buNone/>
+            </a:pPr>
+            <a:r>
+              <a:rPr/>
+              <a:t>Mozilla is a global non-profit dedicated to putting you in control of your online experience and shaping the future of the web for the public good. Visit us at </a:t>
+            </a:r>
+            <a:r>
+              <a:rPr>
+                <a:hlinkClick r:id="rId2"/>
+              </a:rPr>
+              <a:t>mozilla.org</a:t>
+            </a:r>
+          </a:p>
+        </p:txBody>
+      </p:sp>
+    </p:spTree>
+  </p:cSld>
+  <p:clrMapOvr>
+    <a:masterClrMapping/>
+  </p:clrMapOvr>
+  <p:timing>
+    <p:tnLst>
+      <p:par>
+        <p:cTn id="1" dur="indefinite" restart="never" nodeType="tmRoot"/>
+      </p:par>
+    </p:tnLst>
+  </p:timing>
 </p:sld>
 </file>
 
@@ -9361,6 +9924,13 @@
   <p:clrMapOvr>
     <a:masterClrMapping/>
   </p:clrMapOvr>
+  <p:timing>
+    <p:tnLst>
+      <p:par>
+        <p:cTn id="1" dur="indefinite" restart="never" nodeType="tmRoot"/>
+      </p:par>
+    </p:tnLst>
+  </p:timing>
 </p:sld>
 </file>
 
@@ -9438,6 +10008,13 @@
   <p:clrMapOvr>
     <a:masterClrMapping/>
   </p:clrMapOvr>
+  <p:timing>
+    <p:tnLst>
+      <p:par>
+        <p:cTn id="1" dur="indefinite" restart="never" nodeType="tmRoot"/>
+      </p:par>
+    </p:tnLst>
+  </p:timing>
 </p:sld>
 </file>
 
@@ -9563,6 +10140,13 @@
   <p:clrMapOvr>
     <a:masterClrMapping/>
   </p:clrMapOvr>
+  <p:timing>
+    <p:tnLst>
+      <p:par>
+        <p:cTn id="1" dur="indefinite" restart="never" nodeType="tmRoot"/>
+      </p:par>
+    </p:tnLst>
+  </p:timing>
 </p:sld>
 </file>
 
@@ -9663,8 +10247,8 @@
               <a:t>Gmail, Netflix, </a:t>
             </a:r>
             <a:r>
-              <a:rPr sz="2400" dirty="0" err="1"/>
-              <a:t>Instargram</a:t>
+              <a:rPr sz="2400" dirty="0" smtClean="0"/>
+              <a:t>Instagram</a:t>
             </a:r>
             <a:r>
               <a:rPr sz="2400" dirty="0"/>
@@ -9678,6 +10262,13 @@
   <p:clrMapOvr>
     <a:masterClrMapping/>
   </p:clrMapOvr>
+  <p:timing>
+    <p:tnLst>
+      <p:par>
+        <p:cTn id="1" dur="indefinite" restart="never" nodeType="tmRoot"/>
+      </p:par>
+    </p:tnLst>
+  </p:timing>
 </p:sld>
 </file>
 
@@ -9737,25 +10328,25 @@
           <a:p>
             <a:pPr lvl="1"/>
             <a:r>
-              <a:rPr sz="2000" dirty="0"/>
+              <a:rPr sz="2400" dirty="0"/>
               <a:t>Glitch is a web app for creating web pages. Glitch is a coding tool for writing HTML and other web languages</a:t>
             </a:r>
           </a:p>
           <a:p>
             <a:pPr lvl="1"/>
             <a:r>
-              <a:rPr sz="2000" dirty="0"/>
+              <a:rPr sz="2400" dirty="0"/>
               <a:t>Glitch</a:t>
             </a:r>
           </a:p>
           <a:p>
             <a:pPr lvl="1"/>
             <a:r>
-              <a:rPr sz="2000" dirty="0"/>
+              <a:rPr sz="2400" dirty="0"/>
               <a:t>Go to the </a:t>
             </a:r>
             <a:r>
-              <a:rPr sz="2000" dirty="0">
+              <a:rPr sz="2400" dirty="0">
                 <a:hlinkClick r:id="rId3"/>
               </a:rPr>
               <a:t>Glitch Home page</a:t>
@@ -9764,18 +10355,18 @@
           <a:p>
             <a:pPr lvl="1"/>
             <a:r>
-              <a:rPr sz="2000" dirty="0"/>
+              <a:rPr sz="2400" dirty="0"/>
               <a:t>Glitch allows you to remix loads of templates we will start with a “Blank Website”</a:t>
             </a:r>
           </a:p>
           <a:p>
             <a:pPr lvl="1"/>
             <a:r>
-              <a:rPr sz="2000" dirty="0"/>
+              <a:rPr sz="2400" dirty="0"/>
               <a:t>Click “Get Started” then “Blank Website” or go to </a:t>
             </a:r>
             <a:r>
-              <a:rPr sz="2000" dirty="0">
+              <a:rPr sz="2400" dirty="0">
                 <a:hlinkClick r:id="rId4"/>
               </a:rPr>
               <a:t>https://glitch.com/edit/#!/remix/glitch-blank-website</a:t>
@@ -9788,6 +10379,13 @@
   <p:clrMapOvr>
     <a:masterClrMapping/>
   </p:clrMapOvr>
+  <p:timing>
+    <p:tnLst>
+      <p:par>
+        <p:cTn id="1" dur="indefinite" restart="never" nodeType="tmRoot"/>
+      </p:par>
+    </p:tnLst>
+  </p:timing>
 </p:sld>
 </file>
 
@@ -9869,7 +10467,7 @@
         <p:spPr>
           <a:xfrm>
             <a:off x="1981200" y="5613400"/>
-            <a:ext cx="8229600" cy="508000"/>
+            <a:ext cx="7093527" cy="508000"/>
           </a:xfrm>
           <a:prstGeom prst="rect">
             <a:avLst/>
@@ -9881,7 +10479,7 @@
           <a:lstStyle/>
           <a:p>
             <a:r>
-              <a:rPr lang="en-GB" dirty="0"/>
+              <a:rPr lang="en-GB" sz="2400" dirty="0"/>
               <a:t>Click on “index.html”, change some of the text. What happens?</a:t>
             </a:r>
           </a:p>
@@ -9892,6 +10490,13 @@
   <p:clrMapOvr>
     <a:masterClrMapping/>
   </p:clrMapOvr>
+  <p:timing>
+    <p:tnLst>
+      <p:par>
+        <p:cTn id="1" dur="indefinite" restart="never" nodeType="tmRoot"/>
+      </p:par>
+    </p:tnLst>
+  </p:timing>
 </p:sld>
 </file>
 
@@ -9951,6 +10556,13 @@
       </p:transition>
     </mc:Fallback>
   </mc:AlternateContent>
+  <p:timing>
+    <p:tnLst>
+      <p:par>
+        <p:cTn id="1" dur="indefinite" restart="never" nodeType="tmRoot"/>
+      </p:par>
+    </p:tnLst>
+  </p:timing>
 </p:sld>
 </file>
 
@@ -10031,8 +10643,8 @@
         </p:nvSpPr>
         <p:spPr>
           <a:xfrm>
-            <a:off x="581891" y="4163733"/>
-            <a:ext cx="10321636" cy="508000"/>
+            <a:off x="581891" y="4163732"/>
+            <a:ext cx="8963891" cy="2140085"/>
           </a:xfrm>
           <a:prstGeom prst="rect">
             <a:avLst/>
@@ -10045,31 +10657,51 @@
           <a:p>
             <a:pPr lvl="1"/>
             <a:r>
-              <a:rPr lang="en-GB" sz="2000" dirty="0"/>
+              <a:rPr lang="en-GB" sz="2400" dirty="0"/>
               <a:t>Click “Show” and “In a New Window”</a:t>
             </a:r>
           </a:p>
           <a:p>
             <a:pPr lvl="1"/>
             <a:r>
-              <a:rPr lang="en-GB" sz="2000" dirty="0"/>
+              <a:rPr lang="en-GB" sz="2400" dirty="0"/>
               <a:t>This shows your page, LIVE on the Web! Anyone, anywhere on the web can view their page at this address.</a:t>
             </a:r>
           </a:p>
           <a:p>
             <a:pPr lvl="1"/>
             <a:r>
-              <a:rPr lang="en-GB" sz="2000" dirty="0"/>
+              <a:rPr lang="en-GB" sz="2400" dirty="0"/>
               <a:t>Copy the </a:t>
             </a:r>
             <a:r>
-              <a:rPr lang="en-GB" sz="2000" dirty="0" err="1"/>
+              <a:rPr lang="en-GB" sz="2400" dirty="0" err="1"/>
               <a:t>url</a:t>
             </a:r>
             <a:r>
-              <a:rPr lang="en-GB" sz="2000" dirty="0"/>
-              <a:t> of your page and paste it into the Teams chat.</a:t>
-            </a:r>
+              <a:rPr lang="en-GB" sz="2400" dirty="0"/>
+              <a:t> of your </a:t>
+            </a:r>
+            <a:r>
+              <a:rPr lang="en-GB" sz="2400" dirty="0" smtClean="0"/>
+              <a:t>live web page </a:t>
+            </a:r>
+            <a:r>
+              <a:rPr lang="en-GB" sz="2400" dirty="0" smtClean="0"/>
+              <a:t>and </a:t>
+            </a:r>
+            <a:r>
+              <a:rPr lang="en-GB" sz="2400" dirty="0" smtClean="0"/>
+              <a:t>attach </a:t>
+            </a:r>
+            <a:r>
+              <a:rPr lang="en-GB" sz="2400" dirty="0" smtClean="0"/>
+              <a:t>it as a link to the Assignment, and turn it in.</a:t>
+            </a:r>
+          </a:p>
+          <a:p>
+            <a:pPr lvl="1"/>
+            <a:endParaRPr lang="en-GB" sz="2400" dirty="0"/>
           </a:p>
         </p:txBody>
       </p:sp>
@@ -10078,6 +10710,13 @@
   <p:clrMapOvr>
     <a:masterClrMapping/>
   </p:clrMapOvr>
+  <p:timing>
+    <p:tnLst>
+      <p:par>
+        <p:cTn id="1" dur="indefinite" restart="never" nodeType="tmRoot"/>
+      </p:par>
+    </p:tnLst>
+  </p:timing>
 </p:sld>
 </file>
 
